--- a/8. 资源组长工作框架/1. 例行工作/资源组例会/M7平台组态资源例会-2021.04.25.pptx
+++ b/8. 资源组长工作框架/1. 例行工作/资源组例会/M7平台组态资源例会-2021.04.25.pptx
@@ -6099,7 +6099,7 @@
         <p:spPr>
           <a:xfrm>
             <a:off x="745661" y="1457153"/>
-            <a:ext cx="8873124" cy="4247317"/>
+            <a:ext cx="8873124" cy="3693319"/>
           </a:xfrm>
           <a:prstGeom prst="rect">
             <a:avLst/>
@@ -6181,23 +6181,6 @@
             <a:endParaRPr lang="en-US" altLang="zh-CN" dirty="0" smtClean="0"/>
           </a:p>
           <a:p>
-            <a:pPr marL="342900" indent="-342900">
-              <a:buAutoNum type="arabicPeriod"/>
-            </a:pPr>
-            <a:endParaRPr lang="en-US" altLang="zh-CN" dirty="0"/>
-          </a:p>
-          <a:p>
-            <a:endParaRPr lang="en-US" altLang="zh-CN" dirty="0" smtClean="0"/>
-          </a:p>
-          <a:p>
-            <a:r>
-              <a:rPr lang="en-US" altLang="zh-CN" dirty="0" smtClean="0"/>
-              <a:t>2. </a:t>
-            </a:r>
-            <a:r>
-              <a:rPr lang="zh-CN" altLang="en-US" dirty="0" smtClean="0"/>
-              <a:t>员工培养计划</a:t>
-            </a:r>
             <a:endParaRPr lang="en-US" altLang="zh-CN" dirty="0" smtClean="0"/>
           </a:p>
           <a:p>
@@ -6597,14 +6580,7 @@
                 <a:latin typeface="微软雅黑" panose="020B0503020204020204" pitchFamily="34" charset="-122"/>
                 <a:ea typeface="微软雅黑" panose="020B0503020204020204" pitchFamily="34" charset="-122"/>
               </a:rPr>
-              <a:t>资源组</a:t>
-            </a:r>
-            <a:r>
-              <a:rPr lang="zh-CN" altLang="en-US" sz="2800" b="1" dirty="0" smtClean="0">
-                <a:latin typeface="微软雅黑" panose="020B0503020204020204" pitchFamily="34" charset="-122"/>
-                <a:ea typeface="微软雅黑" panose="020B0503020204020204" pitchFamily="34" charset="-122"/>
-              </a:rPr>
-              <a:t>例会 </a:t>
+              <a:t>资源组例会 </a:t>
             </a:r>
             <a:r>
               <a:rPr lang="en-US" altLang="zh-CN" sz="2800" b="1" dirty="0" smtClean="0">
